--- a/资料/课件/IPhone开发教程19-iPad开发指南.pptx
+++ b/资料/课件/IPhone开发教程19-iPad开发指南.pptx
@@ -174,7 +174,7 @@
       </p14:sectionLst>
     </p:ext>
     <p:ext uri="{EFAFB233-063F-42B5-8137-9DF3F51BA10A}">
-      <p15:sldGuideLst xmlns:p15="http://schemas.microsoft.com/office/powerpoint/2012/main" xmlns="">
+      <p15:sldGuideLst xmlns="" xmlns:p15="http://schemas.microsoft.com/office/powerpoint/2012/main">
         <p15:guide id="1" orient="horz">
           <p15:clr>
             <a:srgbClr val="A4A3A4"/>
@@ -188,7 +188,7 @@
       </p15:sldGuideLst>
     </p:ext>
     <p:ext uri="{2D200454-40CA-4A62-9FC3-DE9A4176ACB9}">
-      <p15:notesGuideLst xmlns:p15="http://schemas.microsoft.com/office/powerpoint/2012/main" xmlns="">
+      <p15:notesGuideLst xmlns="" xmlns:p15="http://schemas.microsoft.com/office/powerpoint/2012/main">
         <p15:guide id="1" orient="horz" pos="3109">
           <p15:clr>
             <a:srgbClr val="A4A3A4"/>
@@ -292,7 +292,7 @@
                 <a:ea typeface="微软雅黑" pitchFamily="34" charset="-122"/>
               </a:rPr>
               <a:pPr/>
-              <a:t>15/3/11</a:t>
+              <a:t>15/3/16</a:t>
             </a:fld>
             <a:endParaRPr lang="zh-CN" altLang="en-US" dirty="0">
               <a:ea typeface="微软雅黑" pitchFamily="34" charset="-122"/>
@@ -496,7 +496,7 @@
             <a:fld id="{DF9E65B2-A0B4-4242-9432-201E84F17494}" type="datetime1">
               <a:rPr lang="en-US" smtClean="0"/>
               <a:pPr/>
-              <a:t>15/3/11</a:t>
+              <a:t>15/3/16</a:t>
             </a:fld>
             <a:endParaRPr lang="en-US" dirty="0"/>
           </a:p>
@@ -1425,7 +1425,7 @@
             <a:fld id="{055FF6D4-D4D7-426A-98F7-170A3668379E}" type="datetime1">
               <a:rPr lang="en-US" smtClean="0"/>
               <a:pPr/>
-              <a:t>15/3/11</a:t>
+              <a:t>15/3/16</a:t>
             </a:fld>
             <a:endParaRPr lang="en-US" dirty="0"/>
           </a:p>
@@ -2052,7 +2052,7 @@
             <a:fld id="{74CBEAF9-9E58-4CC8-A6FF-6DD8A58DEEA4}" type="datetimeFigureOut">
               <a:rPr lang="en-US" smtClean="0"/>
               <a:pPr eaLnBrk="1" latinLnBrk="0" hangingPunct="1"/>
-              <a:t>15/3/11</a:t>
+              <a:t>15/3/16</a:t>
             </a:fld>
             <a:endParaRPr lang="en-US"/>
           </a:p>
@@ -2570,7 +2570,7 @@
             <a:fld id="{74CBEAF9-9E58-4CC8-A6FF-6DD8A58DEEA4}" type="datetimeFigureOut">
               <a:rPr lang="en-US" smtClean="0"/>
               <a:pPr algn="l" eaLnBrk="1" latinLnBrk="0" hangingPunct="1"/>
-              <a:t>15/3/11</a:t>
+              <a:t>15/3/16</a:t>
             </a:fld>
             <a:endParaRPr lang="en-US" dirty="0">
               <a:solidFill>
@@ -3105,7 +3105,7 @@
             <a:fld id="{74CBEAF9-9E58-4CC8-A6FF-6DD8A58DEEA4}" type="datetimeFigureOut">
               <a:rPr lang="en-US" smtClean="0"/>
               <a:pPr algn="l" eaLnBrk="1" latinLnBrk="0" hangingPunct="1"/>
-              <a:t>15/3/11</a:t>
+              <a:t>15/3/16</a:t>
             </a:fld>
             <a:endParaRPr lang="en-US" dirty="0">
               <a:solidFill>
@@ -3941,7 +3941,7 @@
             <a:fld id="{74CBEAF9-9E58-4CC8-A6FF-6DD8A58DEEA4}" type="datetimeFigureOut">
               <a:rPr lang="en-US" smtClean="0"/>
               <a:pPr eaLnBrk="1" latinLnBrk="0" hangingPunct="1"/>
-              <a:t>15/3/11</a:t>
+              <a:t>15/3/16</a:t>
             </a:fld>
             <a:endParaRPr lang="en-US"/>
           </a:p>
@@ -4523,7 +4523,7 @@
             <a:fld id="{42295D47-465E-4A05-802B-049480555B6D}" type="datetime1">
               <a:rPr lang="en-US" smtClean="0"/>
               <a:pPr/>
-              <a:t>15/3/11</a:t>
+              <a:t>15/3/16</a:t>
             </a:fld>
             <a:endParaRPr lang="en-US"/>
           </a:p>
@@ -5154,7 +5154,7 @@
             <a:fld id="{74CBEAF9-9E58-4CC8-A6FF-6DD8A58DEEA4}" type="datetimeFigureOut">
               <a:rPr lang="en-US" smtClean="0"/>
               <a:pPr algn="l" eaLnBrk="1" latinLnBrk="0" hangingPunct="1"/>
-              <a:t>15/3/11</a:t>
+              <a:t>15/3/16</a:t>
             </a:fld>
             <a:endParaRPr lang="en-US" dirty="0">
               <a:solidFill>
@@ -5936,7 +5936,7 @@
             <a:fld id="{74CBEAF9-9E58-4CC8-A6FF-6DD8A58DEEA4}" type="datetimeFigureOut">
               <a:rPr lang="en-US" smtClean="0"/>
               <a:pPr eaLnBrk="1" latinLnBrk="0" hangingPunct="1"/>
-              <a:t>15/3/11</a:t>
+              <a:t>15/3/16</a:t>
             </a:fld>
             <a:endParaRPr lang="en-US"/>
           </a:p>
@@ -6397,7 +6397,7 @@
             <a:fld id="{74CBEAF9-9E58-4CC8-A6FF-6DD8A58DEEA4}" type="datetimeFigureOut">
               <a:rPr lang="en-US" smtClean="0"/>
               <a:pPr eaLnBrk="1" latinLnBrk="0" hangingPunct="1"/>
-              <a:t>15/3/11</a:t>
+              <a:t>15/3/16</a:t>
             </a:fld>
             <a:endParaRPr lang="en-US"/>
           </a:p>
@@ -6826,7 +6826,7 @@
             <a:fld id="{74CBEAF9-9E58-4CC8-A6FF-6DD8A58DEEA4}" type="datetimeFigureOut">
               <a:rPr lang="en-US" smtClean="0"/>
               <a:pPr eaLnBrk="1" latinLnBrk="0" hangingPunct="1"/>
-              <a:t>15/3/11</a:t>
+              <a:t>15/3/16</a:t>
             </a:fld>
             <a:endParaRPr lang="en-US"/>
           </a:p>
@@ -7447,7 +7447,7 @@
             <a:fld id="{74CBEAF9-9E58-4CC8-A6FF-6DD8A58DEEA4}" type="datetimeFigureOut">
               <a:rPr lang="en-US" smtClean="0"/>
               <a:pPr eaLnBrk="1" latinLnBrk="0" hangingPunct="1"/>
-              <a:t>15/3/11</a:t>
+              <a:t>15/3/16</a:t>
             </a:fld>
             <a:endParaRPr lang="en-US"/>
           </a:p>
@@ -7712,7 +7712,7 @@
             <a:fld id="{74CBEAF9-9E58-4CC8-A6FF-6DD8A58DEEA4}" type="datetimeFigureOut">
               <a:rPr lang="en-US" smtClean="0"/>
               <a:pPr algn="l" eaLnBrk="1" latinLnBrk="0" hangingPunct="1"/>
-              <a:t>15/3/11</a:t>
+              <a:t>15/3/16</a:t>
             </a:fld>
             <a:endParaRPr lang="en-US" dirty="0">
               <a:solidFill>
@@ -8372,8 +8372,8 @@
               <a:t>1</a:t>
             </a:r>
             <a:r>
-              <a:rPr lang="en-US" altLang="zh-CN" b="0" dirty="0" smtClean="0"/>
-              <a:t>7</a:t>
+              <a:rPr lang="en-US" altLang="zh-CN" b="0" dirty="0"/>
+              <a:t>9</a:t>
             </a:r>
             <a:r>
               <a:rPr lang="en-US" altLang="zh-TW" b="0" dirty="0" smtClean="0"/>
@@ -11167,7 +11167,6 @@
               <a:rPr lang="en-US" altLang="zh-CN" sz="2000" dirty="0"/>
               <a:t>}</a:t>
             </a:r>
-            <a:endParaRPr lang="en-US" altLang="zh-CN" sz="2000" dirty="0"/>
           </a:p>
         </p:txBody>
       </p:sp>
